--- a/Apresentação1.pptx
+++ b/Apresentação1.pptx
@@ -116,6 +116,43 @@
 </p:presentation>
 </file>
 
+<file path=ppt/revisionInfo.xml><?xml version="1.0" encoding="utf-8"?>
+<p1510:revInfo xmlns:a="http://schemas.openxmlformats.org/drawingml/2006/main" xmlns:r="http://schemas.openxmlformats.org/officeDocument/2006/relationships" xmlns:p1510="http://schemas.microsoft.com/office/powerpoint/2015/10/main">
+  <p1510:revLst>
+    <p1510:client id="{A60A425B-352A-4A30-83A5-BA047E9FA904}" v="22" dt="2019-03-18T19:33:06.955"/>
+  </p1510:revLst>
+</p1510:revInfo>
+</file>
+
+<file path=ppt/changesInfos/changesInfo1.xml><?xml version="1.0" encoding="utf-8"?>
+<pc:chgInfo xmlns:a="http://schemas.openxmlformats.org/drawingml/2006/main" xmlns:r="http://schemas.openxmlformats.org/officeDocument/2006/relationships" xmlns:ac="http://schemas.microsoft.com/office/drawing/2013/main/command" xmlns:pc="http://schemas.microsoft.com/office/powerpoint/2013/main/command">
+  <pc:docChgLst>
+    <pc:chgData name="vitoria berniz" userId="4df2cc20106b5268" providerId="LiveId" clId="{A60A425B-352A-4A30-83A5-BA047E9FA904}"/>
+    <pc:docChg chg="modSld">
+      <pc:chgData name="vitoria berniz" userId="4df2cc20106b5268" providerId="LiveId" clId="{A60A425B-352A-4A30-83A5-BA047E9FA904}" dt="2019-03-18T19:33:06.955" v="22" actId="20577"/>
+      <pc:docMkLst>
+        <pc:docMk/>
+      </pc:docMkLst>
+      <pc:sldChg chg="modSp modAnim">
+        <pc:chgData name="vitoria berniz" userId="4df2cc20106b5268" providerId="LiveId" clId="{A60A425B-352A-4A30-83A5-BA047E9FA904}" dt="2019-03-18T19:33:06.955" v="22" actId="20577"/>
+        <pc:sldMkLst>
+          <pc:docMk/>
+          <pc:sldMk cId="2658711792" sldId="256"/>
+        </pc:sldMkLst>
+        <pc:spChg chg="mod">
+          <ac:chgData name="vitoria berniz" userId="4df2cc20106b5268" providerId="LiveId" clId="{A60A425B-352A-4A30-83A5-BA047E9FA904}" dt="2019-03-18T19:33:06.955" v="22" actId="20577"/>
+          <ac:spMkLst>
+            <pc:docMk/>
+            <pc:sldMk cId="2658711792" sldId="256"/>
+            <ac:spMk id="22" creationId="{00000000-0000-0000-0000-000000000000}"/>
+          </ac:spMkLst>
+        </pc:spChg>
+      </pc:sldChg>
+    </pc:docChg>
+  </pc:docChgLst>
+</pc:chgInfo>
+</file>
+
 <file path=ppt/slideLayouts/slideLayout1.xml><?xml version="1.0" encoding="utf-8"?>
 <p:sldLayout xmlns:a="http://schemas.openxmlformats.org/drawingml/2006/main" xmlns:r="http://schemas.openxmlformats.org/officeDocument/2006/relationships" xmlns:p="http://schemas.openxmlformats.org/presentationml/2006/main" type="title" preserve="1">
   <p:cSld name="Slide de Título">
@@ -158,10 +195,9 @@
           </a:lstStyle>
           <a:p>
             <a:r>
-              <a:rPr lang="pt-BR" smtClean="0"/>
+              <a:rPr lang="pt-BR"/>
               <a:t>Clique para editar o título mestre</a:t>
             </a:r>
-            <a:endParaRPr lang="pt-BR"/>
           </a:p>
         </p:txBody>
       </p:sp>
@@ -223,10 +259,9 @@
           </a:lstStyle>
           <a:p>
             <a:r>
-              <a:rPr lang="pt-BR" smtClean="0"/>
+              <a:rPr lang="pt-BR"/>
               <a:t>Clique para editar o estilo do subtítulo Mestre</a:t>
             </a:r>
-            <a:endParaRPr lang="pt-BR"/>
           </a:p>
         </p:txBody>
       </p:sp>
@@ -341,10 +376,9 @@
           <a:lstStyle/>
           <a:p>
             <a:r>
-              <a:rPr lang="pt-BR" smtClean="0"/>
+              <a:rPr lang="pt-BR"/>
               <a:t>Clique para editar o título mestre</a:t>
             </a:r>
-            <a:endParaRPr lang="pt-BR"/>
           </a:p>
         </p:txBody>
       </p:sp>
@@ -365,38 +399,37 @@
           <a:p>
             <a:pPr lvl="0"/>
             <a:r>
-              <a:rPr lang="pt-BR" smtClean="0"/>
+              <a:rPr lang="pt-BR"/>
               <a:t>Editar estilos de texto Mestre</a:t>
             </a:r>
           </a:p>
           <a:p>
             <a:pPr lvl="1"/>
             <a:r>
-              <a:rPr lang="pt-BR" smtClean="0"/>
+              <a:rPr lang="pt-BR"/>
               <a:t>Segundo nível</a:t>
             </a:r>
           </a:p>
           <a:p>
             <a:pPr lvl="2"/>
             <a:r>
-              <a:rPr lang="pt-BR" smtClean="0"/>
+              <a:rPr lang="pt-BR"/>
               <a:t>Terceiro nível</a:t>
             </a:r>
           </a:p>
           <a:p>
             <a:pPr lvl="3"/>
             <a:r>
-              <a:rPr lang="pt-BR" smtClean="0"/>
+              <a:rPr lang="pt-BR"/>
               <a:t>Quarto nível</a:t>
             </a:r>
           </a:p>
           <a:p>
             <a:pPr lvl="4"/>
             <a:r>
-              <a:rPr lang="pt-BR" smtClean="0"/>
+              <a:rPr lang="pt-BR"/>
               <a:t>Quinto nível</a:t>
             </a:r>
-            <a:endParaRPr lang="pt-BR"/>
           </a:p>
         </p:txBody>
       </p:sp>
@@ -516,10 +549,9 @@
           <a:lstStyle/>
           <a:p>
             <a:r>
-              <a:rPr lang="pt-BR" smtClean="0"/>
+              <a:rPr lang="pt-BR"/>
               <a:t>Clique para editar o título mestre</a:t>
             </a:r>
-            <a:endParaRPr lang="pt-BR"/>
           </a:p>
         </p:txBody>
       </p:sp>
@@ -545,38 +577,37 @@
           <a:p>
             <a:pPr lvl="0"/>
             <a:r>
-              <a:rPr lang="pt-BR" smtClean="0"/>
+              <a:rPr lang="pt-BR"/>
               <a:t>Editar estilos de texto Mestre</a:t>
             </a:r>
           </a:p>
           <a:p>
             <a:pPr lvl="1"/>
             <a:r>
-              <a:rPr lang="pt-BR" smtClean="0"/>
+              <a:rPr lang="pt-BR"/>
               <a:t>Segundo nível</a:t>
             </a:r>
           </a:p>
           <a:p>
             <a:pPr lvl="2"/>
             <a:r>
-              <a:rPr lang="pt-BR" smtClean="0"/>
+              <a:rPr lang="pt-BR"/>
               <a:t>Terceiro nível</a:t>
             </a:r>
           </a:p>
           <a:p>
             <a:pPr lvl="3"/>
             <a:r>
-              <a:rPr lang="pt-BR" smtClean="0"/>
+              <a:rPr lang="pt-BR"/>
               <a:t>Quarto nível</a:t>
             </a:r>
           </a:p>
           <a:p>
             <a:pPr lvl="4"/>
             <a:r>
-              <a:rPr lang="pt-BR" smtClean="0"/>
+              <a:rPr lang="pt-BR"/>
               <a:t>Quinto nível</a:t>
             </a:r>
-            <a:endParaRPr lang="pt-BR"/>
           </a:p>
         </p:txBody>
       </p:sp>
@@ -691,10 +722,9 @@
           <a:lstStyle/>
           <a:p>
             <a:r>
-              <a:rPr lang="pt-BR" smtClean="0"/>
+              <a:rPr lang="pt-BR"/>
               <a:t>Clique para editar o título mestre</a:t>
             </a:r>
-            <a:endParaRPr lang="pt-BR"/>
           </a:p>
         </p:txBody>
       </p:sp>
@@ -715,38 +745,37 @@
           <a:p>
             <a:pPr lvl="0"/>
             <a:r>
-              <a:rPr lang="pt-BR" smtClean="0"/>
+              <a:rPr lang="pt-BR"/>
               <a:t>Editar estilos de texto Mestre</a:t>
             </a:r>
           </a:p>
           <a:p>
             <a:pPr lvl="1"/>
             <a:r>
-              <a:rPr lang="pt-BR" smtClean="0"/>
+              <a:rPr lang="pt-BR"/>
               <a:t>Segundo nível</a:t>
             </a:r>
           </a:p>
           <a:p>
             <a:pPr lvl="2"/>
             <a:r>
-              <a:rPr lang="pt-BR" smtClean="0"/>
+              <a:rPr lang="pt-BR"/>
               <a:t>Terceiro nível</a:t>
             </a:r>
           </a:p>
           <a:p>
             <a:pPr lvl="3"/>
             <a:r>
-              <a:rPr lang="pt-BR" smtClean="0"/>
+              <a:rPr lang="pt-BR"/>
               <a:t>Quarto nível</a:t>
             </a:r>
           </a:p>
           <a:p>
             <a:pPr lvl="4"/>
             <a:r>
-              <a:rPr lang="pt-BR" smtClean="0"/>
+              <a:rPr lang="pt-BR"/>
               <a:t>Quinto nível</a:t>
             </a:r>
-            <a:endParaRPr lang="pt-BR"/>
           </a:p>
         </p:txBody>
       </p:sp>
@@ -870,10 +899,9 @@
           </a:lstStyle>
           <a:p>
             <a:r>
-              <a:rPr lang="pt-BR" smtClean="0"/>
+              <a:rPr lang="pt-BR"/>
               <a:t>Clique para editar o título mestre</a:t>
             </a:r>
-            <a:endParaRPr lang="pt-BR"/>
           </a:p>
         </p:txBody>
       </p:sp>
@@ -990,7 +1018,7 @@
           <a:p>
             <a:pPr lvl="0"/>
             <a:r>
-              <a:rPr lang="pt-BR" smtClean="0"/>
+              <a:rPr lang="pt-BR"/>
               <a:t>Editar estilos de texto Mestre</a:t>
             </a:r>
           </a:p>
@@ -1107,10 +1135,9 @@
           <a:lstStyle/>
           <a:p>
             <a:r>
-              <a:rPr lang="pt-BR" smtClean="0"/>
+              <a:rPr lang="pt-BR"/>
               <a:t>Clique para editar o título mestre</a:t>
             </a:r>
-            <a:endParaRPr lang="pt-BR"/>
           </a:p>
         </p:txBody>
       </p:sp>
@@ -1136,38 +1163,37 @@
           <a:p>
             <a:pPr lvl="0"/>
             <a:r>
-              <a:rPr lang="pt-BR" smtClean="0"/>
+              <a:rPr lang="pt-BR"/>
               <a:t>Editar estilos de texto Mestre</a:t>
             </a:r>
           </a:p>
           <a:p>
             <a:pPr lvl="1"/>
             <a:r>
-              <a:rPr lang="pt-BR" smtClean="0"/>
+              <a:rPr lang="pt-BR"/>
               <a:t>Segundo nível</a:t>
             </a:r>
           </a:p>
           <a:p>
             <a:pPr lvl="2"/>
             <a:r>
-              <a:rPr lang="pt-BR" smtClean="0"/>
+              <a:rPr lang="pt-BR"/>
               <a:t>Terceiro nível</a:t>
             </a:r>
           </a:p>
           <a:p>
             <a:pPr lvl="3"/>
             <a:r>
-              <a:rPr lang="pt-BR" smtClean="0"/>
+              <a:rPr lang="pt-BR"/>
               <a:t>Quarto nível</a:t>
             </a:r>
           </a:p>
           <a:p>
             <a:pPr lvl="4"/>
             <a:r>
-              <a:rPr lang="pt-BR" smtClean="0"/>
+              <a:rPr lang="pt-BR"/>
               <a:t>Quinto nível</a:t>
             </a:r>
-            <a:endParaRPr lang="pt-BR"/>
           </a:p>
         </p:txBody>
       </p:sp>
@@ -1193,38 +1219,37 @@
           <a:p>
             <a:pPr lvl="0"/>
             <a:r>
-              <a:rPr lang="pt-BR" smtClean="0"/>
+              <a:rPr lang="pt-BR"/>
               <a:t>Editar estilos de texto Mestre</a:t>
             </a:r>
           </a:p>
           <a:p>
             <a:pPr lvl="1"/>
             <a:r>
-              <a:rPr lang="pt-BR" smtClean="0"/>
+              <a:rPr lang="pt-BR"/>
               <a:t>Segundo nível</a:t>
             </a:r>
           </a:p>
           <a:p>
             <a:pPr lvl="2"/>
             <a:r>
-              <a:rPr lang="pt-BR" smtClean="0"/>
+              <a:rPr lang="pt-BR"/>
               <a:t>Terceiro nível</a:t>
             </a:r>
           </a:p>
           <a:p>
             <a:pPr lvl="3"/>
             <a:r>
-              <a:rPr lang="pt-BR" smtClean="0"/>
+              <a:rPr lang="pt-BR"/>
               <a:t>Quarto nível</a:t>
             </a:r>
           </a:p>
           <a:p>
             <a:pPr lvl="4"/>
             <a:r>
-              <a:rPr lang="pt-BR" smtClean="0"/>
+              <a:rPr lang="pt-BR"/>
               <a:t>Quinto nível</a:t>
             </a:r>
-            <a:endParaRPr lang="pt-BR"/>
           </a:p>
         </p:txBody>
       </p:sp>
@@ -1344,10 +1369,9 @@
           <a:lstStyle/>
           <a:p>
             <a:r>
-              <a:rPr lang="pt-BR" smtClean="0"/>
+              <a:rPr lang="pt-BR"/>
               <a:t>Clique para editar o título mestre</a:t>
             </a:r>
-            <a:endParaRPr lang="pt-BR"/>
           </a:p>
         </p:txBody>
       </p:sp>
@@ -1410,7 +1434,7 @@
           <a:p>
             <a:pPr lvl="0"/>
             <a:r>
-              <a:rPr lang="pt-BR" smtClean="0"/>
+              <a:rPr lang="pt-BR"/>
               <a:t>Editar estilos de texto Mestre</a:t>
             </a:r>
           </a:p>
@@ -1438,38 +1462,37 @@
           <a:p>
             <a:pPr lvl="0"/>
             <a:r>
-              <a:rPr lang="pt-BR" smtClean="0"/>
+              <a:rPr lang="pt-BR"/>
               <a:t>Editar estilos de texto Mestre</a:t>
             </a:r>
           </a:p>
           <a:p>
             <a:pPr lvl="1"/>
             <a:r>
-              <a:rPr lang="pt-BR" smtClean="0"/>
+              <a:rPr lang="pt-BR"/>
               <a:t>Segundo nível</a:t>
             </a:r>
           </a:p>
           <a:p>
             <a:pPr lvl="2"/>
             <a:r>
-              <a:rPr lang="pt-BR" smtClean="0"/>
+              <a:rPr lang="pt-BR"/>
               <a:t>Terceiro nível</a:t>
             </a:r>
           </a:p>
           <a:p>
             <a:pPr lvl="3"/>
             <a:r>
-              <a:rPr lang="pt-BR" smtClean="0"/>
+              <a:rPr lang="pt-BR"/>
               <a:t>Quarto nível</a:t>
             </a:r>
           </a:p>
           <a:p>
             <a:pPr lvl="4"/>
             <a:r>
-              <a:rPr lang="pt-BR" smtClean="0"/>
+              <a:rPr lang="pt-BR"/>
               <a:t>Quinto nível</a:t>
             </a:r>
-            <a:endParaRPr lang="pt-BR"/>
           </a:p>
         </p:txBody>
       </p:sp>
@@ -1532,7 +1555,7 @@
           <a:p>
             <a:pPr lvl="0"/>
             <a:r>
-              <a:rPr lang="pt-BR" smtClean="0"/>
+              <a:rPr lang="pt-BR"/>
               <a:t>Editar estilos de texto Mestre</a:t>
             </a:r>
           </a:p>
@@ -1560,38 +1583,37 @@
           <a:p>
             <a:pPr lvl="0"/>
             <a:r>
-              <a:rPr lang="pt-BR" smtClean="0"/>
+              <a:rPr lang="pt-BR"/>
               <a:t>Editar estilos de texto Mestre</a:t>
             </a:r>
           </a:p>
           <a:p>
             <a:pPr lvl="1"/>
             <a:r>
-              <a:rPr lang="pt-BR" smtClean="0"/>
+              <a:rPr lang="pt-BR"/>
               <a:t>Segundo nível</a:t>
             </a:r>
           </a:p>
           <a:p>
             <a:pPr lvl="2"/>
             <a:r>
-              <a:rPr lang="pt-BR" smtClean="0"/>
+              <a:rPr lang="pt-BR"/>
               <a:t>Terceiro nível</a:t>
             </a:r>
           </a:p>
           <a:p>
             <a:pPr lvl="3"/>
             <a:r>
-              <a:rPr lang="pt-BR" smtClean="0"/>
+              <a:rPr lang="pt-BR"/>
               <a:t>Quarto nível</a:t>
             </a:r>
           </a:p>
           <a:p>
             <a:pPr lvl="4"/>
             <a:r>
-              <a:rPr lang="pt-BR" smtClean="0"/>
+              <a:rPr lang="pt-BR"/>
               <a:t>Quinto nível</a:t>
             </a:r>
-            <a:endParaRPr lang="pt-BR"/>
           </a:p>
         </p:txBody>
       </p:sp>
@@ -1706,10 +1728,9 @@
           <a:lstStyle/>
           <a:p>
             <a:r>
-              <a:rPr lang="pt-BR" smtClean="0"/>
+              <a:rPr lang="pt-BR"/>
               <a:t>Clique para editar o título mestre</a:t>
             </a:r>
-            <a:endParaRPr lang="pt-BR"/>
           </a:p>
         </p:txBody>
       </p:sp>
@@ -1928,10 +1949,9 @@
           </a:lstStyle>
           <a:p>
             <a:r>
-              <a:rPr lang="pt-BR" smtClean="0"/>
+              <a:rPr lang="pt-BR"/>
               <a:t>Clique para editar o título mestre</a:t>
             </a:r>
-            <a:endParaRPr lang="pt-BR"/>
           </a:p>
         </p:txBody>
       </p:sp>
@@ -1985,38 +2005,37 @@
           <a:p>
             <a:pPr lvl="0"/>
             <a:r>
-              <a:rPr lang="pt-BR" smtClean="0"/>
+              <a:rPr lang="pt-BR"/>
               <a:t>Editar estilos de texto Mestre</a:t>
             </a:r>
           </a:p>
           <a:p>
             <a:pPr lvl="1"/>
             <a:r>
-              <a:rPr lang="pt-BR" smtClean="0"/>
+              <a:rPr lang="pt-BR"/>
               <a:t>Segundo nível</a:t>
             </a:r>
           </a:p>
           <a:p>
             <a:pPr lvl="2"/>
             <a:r>
-              <a:rPr lang="pt-BR" smtClean="0"/>
+              <a:rPr lang="pt-BR"/>
               <a:t>Terceiro nível</a:t>
             </a:r>
           </a:p>
           <a:p>
             <a:pPr lvl="3"/>
             <a:r>
-              <a:rPr lang="pt-BR" smtClean="0"/>
+              <a:rPr lang="pt-BR"/>
               <a:t>Quarto nível</a:t>
             </a:r>
           </a:p>
           <a:p>
             <a:pPr lvl="4"/>
             <a:r>
-              <a:rPr lang="pt-BR" smtClean="0"/>
+              <a:rPr lang="pt-BR"/>
               <a:t>Quinto nível</a:t>
             </a:r>
-            <a:endParaRPr lang="pt-BR"/>
           </a:p>
         </p:txBody>
       </p:sp>
@@ -2079,7 +2098,7 @@
           <a:p>
             <a:pPr lvl="0"/>
             <a:r>
-              <a:rPr lang="pt-BR" smtClean="0"/>
+              <a:rPr lang="pt-BR"/>
               <a:t>Editar estilos de texto Mestre</a:t>
             </a:r>
           </a:p>
@@ -2205,10 +2224,9 @@
           </a:lstStyle>
           <a:p>
             <a:r>
-              <a:rPr lang="pt-BR" smtClean="0"/>
+              <a:rPr lang="pt-BR"/>
               <a:t>Clique para editar o título mestre</a:t>
             </a:r>
-            <a:endParaRPr lang="pt-BR"/>
           </a:p>
         </p:txBody>
       </p:sp>
@@ -2332,7 +2350,7 @@
           <a:p>
             <a:pPr lvl="0"/>
             <a:r>
-              <a:rPr lang="pt-BR" smtClean="0"/>
+              <a:rPr lang="pt-BR"/>
               <a:t>Editar estilos de texto Mestre</a:t>
             </a:r>
           </a:p>
@@ -2464,10 +2482,9 @@
           <a:lstStyle/>
           <a:p>
             <a:r>
-              <a:rPr lang="pt-BR" smtClean="0"/>
+              <a:rPr lang="pt-BR"/>
               <a:t>Clique para editar o título mestre</a:t>
             </a:r>
-            <a:endParaRPr lang="pt-BR"/>
           </a:p>
         </p:txBody>
       </p:sp>
@@ -2498,38 +2515,37 @@
           <a:p>
             <a:pPr lvl="0"/>
             <a:r>
-              <a:rPr lang="pt-BR" smtClean="0"/>
+              <a:rPr lang="pt-BR"/>
               <a:t>Editar estilos de texto Mestre</a:t>
             </a:r>
           </a:p>
           <a:p>
             <a:pPr lvl="1"/>
             <a:r>
-              <a:rPr lang="pt-BR" smtClean="0"/>
+              <a:rPr lang="pt-BR"/>
               <a:t>Segundo nível</a:t>
             </a:r>
           </a:p>
           <a:p>
             <a:pPr lvl="2"/>
             <a:r>
-              <a:rPr lang="pt-BR" smtClean="0"/>
+              <a:rPr lang="pt-BR"/>
               <a:t>Terceiro nível</a:t>
             </a:r>
           </a:p>
           <a:p>
             <a:pPr lvl="3"/>
             <a:r>
-              <a:rPr lang="pt-BR" smtClean="0"/>
+              <a:rPr lang="pt-BR"/>
               <a:t>Quarto nível</a:t>
             </a:r>
           </a:p>
           <a:p>
             <a:pPr lvl="4"/>
             <a:r>
-              <a:rPr lang="pt-BR" smtClean="0"/>
+              <a:rPr lang="pt-BR"/>
               <a:t>Quinto nível</a:t>
             </a:r>
-            <a:endParaRPr lang="pt-BR"/>
           </a:p>
         </p:txBody>
       </p:sp>
@@ -3054,7 +3070,7 @@
         </p:nvSpPr>
         <p:spPr>
           <a:xfrm>
-            <a:off x="1450097" y="2180102"/>
+            <a:off x="1397846" y="2203251"/>
             <a:ext cx="3197225" cy="1849968"/>
           </a:xfrm>
         </p:spPr>
@@ -3131,6 +3147,33 @@
               </a:rPr>
               <a:t> Muniz</a:t>
             </a:r>
+          </a:p>
+          <a:p>
+            <a:pPr algn="l"/>
+            <a:r>
+              <a:rPr lang="pt-BR" sz="3200" dirty="0">
+                <a:solidFill>
+                  <a:schemeClr val="bg1"/>
+                </a:solidFill>
+                <a:latin typeface="Tw Cen MT" panose="020B0602020104020603" pitchFamily="34" charset="0"/>
+              </a:rPr>
+              <a:t>Gustavo </a:t>
+            </a:r>
+            <a:r>
+              <a:rPr lang="pt-BR" sz="3200" dirty="0" err="1">
+                <a:solidFill>
+                  <a:schemeClr val="bg1"/>
+                </a:solidFill>
+                <a:latin typeface="Tw Cen MT" panose="020B0602020104020603" pitchFamily="34" charset="0"/>
+              </a:rPr>
+              <a:t>Kiyoshi</a:t>
+            </a:r>
+            <a:endParaRPr lang="pt-BR" sz="3200" dirty="0">
+              <a:solidFill>
+                <a:schemeClr val="bg1"/>
+              </a:solidFill>
+              <a:latin typeface="Tw Cen MT" panose="020B0602020104020603" pitchFamily="34" charset="0"/>
+            </a:endParaRPr>
           </a:p>
           <a:p>
             <a:pPr algn="l"/>
@@ -3834,21 +3877,30 @@
                             </p:childTnLst>
                           </p:cTn>
                         </p:par>
+                      </p:childTnLst>
+                    </p:cTn>
+                  </p:par>
+                  <p:par>
+                    <p:cTn id="34" fill="hold">
+                      <p:stCondLst>
+                        <p:cond delay="indefinite"/>
+                      </p:stCondLst>
+                      <p:childTnLst>
                         <p:par>
-                          <p:cTn id="34" fill="hold">
+                          <p:cTn id="35" fill="hold">
                             <p:stCondLst>
-                              <p:cond delay="1500"/>
+                              <p:cond delay="0"/>
                             </p:stCondLst>
                             <p:childTnLst>
                               <p:par>
-                                <p:cTn id="35" presetID="2" presetClass="entr" presetSubtype="8" decel="100000" fill="hold" grpId="0" nodeType="afterEffect">
+                                <p:cTn id="36" presetID="2" presetClass="entr" presetSubtype="8" decel="100000" fill="hold" grpId="0" nodeType="clickEffect">
                                   <p:stCondLst>
                                     <p:cond delay="0"/>
                                   </p:stCondLst>
                                   <p:childTnLst>
                                     <p:set>
                                       <p:cBhvr>
-                                        <p:cTn id="36" dur="1" fill="hold">
+                                        <p:cTn id="37" dur="1" fill="hold">
                                           <p:stCondLst>
                                             <p:cond delay="0"/>
                                           </p:stCondLst>
@@ -3870,7 +3922,7 @@
                                     </p:set>
                                     <p:anim calcmode="lin" valueType="num">
                                       <p:cBhvr additive="base">
-                                        <p:cTn id="37" dur="250" fill="hold"/>
+                                        <p:cTn id="38" dur="250" fill="hold"/>
                                         <p:tgtEl>
                                           <p:spTgt spid="22">
                                             <p:txEl>
@@ -3897,7 +3949,7 @@
                                     </p:anim>
                                     <p:anim calcmode="lin" valueType="num">
                                       <p:cBhvr additive="base">
-                                        <p:cTn id="38" dur="250" fill="hold"/>
+                                        <p:cTn id="39" dur="250" fill="hold"/>
                                         <p:tgtEl>
                                           <p:spTgt spid="22">
                                             <p:txEl>
@@ -3929,20 +3981,20 @@
                           </p:cTn>
                         </p:par>
                         <p:par>
-                          <p:cTn id="39" fill="hold">
+                          <p:cTn id="40" fill="hold">
                             <p:stCondLst>
-                              <p:cond delay="1750"/>
+                              <p:cond delay="250"/>
                             </p:stCondLst>
                             <p:childTnLst>
                               <p:par>
-                                <p:cTn id="40" presetID="2" presetClass="entr" presetSubtype="8" decel="100000" fill="hold" grpId="0" nodeType="afterEffect">
+                                <p:cTn id="41" presetID="2" presetClass="entr" presetSubtype="8" decel="100000" fill="hold" grpId="0" nodeType="afterEffect">
                                   <p:stCondLst>
                                     <p:cond delay="0"/>
                                   </p:stCondLst>
                                   <p:childTnLst>
                                     <p:set>
                                       <p:cBhvr>
-                                        <p:cTn id="41" dur="1" fill="hold">
+                                        <p:cTn id="42" dur="1" fill="hold">
                                           <p:stCondLst>
                                             <p:cond delay="0"/>
                                           </p:stCondLst>
@@ -3964,7 +4016,7 @@
                                     </p:set>
                                     <p:anim calcmode="lin" valueType="num">
                                       <p:cBhvr additive="base">
-                                        <p:cTn id="42" dur="250" fill="hold"/>
+                                        <p:cTn id="43" dur="250" fill="hold"/>
                                         <p:tgtEl>
                                           <p:spTgt spid="22">
                                             <p:txEl>
@@ -3991,11 +4043,105 @@
                                     </p:anim>
                                     <p:anim calcmode="lin" valueType="num">
                                       <p:cBhvr additive="base">
-                                        <p:cTn id="43" dur="250" fill="hold"/>
+                                        <p:cTn id="44" dur="250" fill="hold"/>
                                         <p:tgtEl>
                                           <p:spTgt spid="22">
                                             <p:txEl>
                                               <p:pRg st="6" end="6"/>
+                                            </p:txEl>
+                                          </p:spTgt>
+                                        </p:tgtEl>
+                                        <p:attrNameLst>
+                                          <p:attrName>ppt_y</p:attrName>
+                                        </p:attrNameLst>
+                                      </p:cBhvr>
+                                      <p:tavLst>
+                                        <p:tav tm="0">
+                                          <p:val>
+                                            <p:strVal val="#ppt_y"/>
+                                          </p:val>
+                                        </p:tav>
+                                        <p:tav tm="100000">
+                                          <p:val>
+                                            <p:strVal val="#ppt_y"/>
+                                          </p:val>
+                                        </p:tav>
+                                      </p:tavLst>
+                                    </p:anim>
+                                  </p:childTnLst>
+                                </p:cTn>
+                              </p:par>
+                            </p:childTnLst>
+                          </p:cTn>
+                        </p:par>
+                        <p:par>
+                          <p:cTn id="45" fill="hold">
+                            <p:stCondLst>
+                              <p:cond delay="500"/>
+                            </p:stCondLst>
+                            <p:childTnLst>
+                              <p:par>
+                                <p:cTn id="46" presetID="2" presetClass="entr" presetSubtype="8" decel="100000" fill="hold" grpId="0" nodeType="afterEffect">
+                                  <p:stCondLst>
+                                    <p:cond delay="0"/>
+                                  </p:stCondLst>
+                                  <p:childTnLst>
+                                    <p:set>
+                                      <p:cBhvr>
+                                        <p:cTn id="47" dur="1" fill="hold">
+                                          <p:stCondLst>
+                                            <p:cond delay="0"/>
+                                          </p:stCondLst>
+                                        </p:cTn>
+                                        <p:tgtEl>
+                                          <p:spTgt spid="22">
+                                            <p:txEl>
+                                              <p:pRg st="7" end="7"/>
+                                            </p:txEl>
+                                          </p:spTgt>
+                                        </p:tgtEl>
+                                        <p:attrNameLst>
+                                          <p:attrName>style.visibility</p:attrName>
+                                        </p:attrNameLst>
+                                      </p:cBhvr>
+                                      <p:to>
+                                        <p:strVal val="visible"/>
+                                      </p:to>
+                                    </p:set>
+                                    <p:anim calcmode="lin" valueType="num">
+                                      <p:cBhvr additive="base">
+                                        <p:cTn id="48" dur="250" fill="hold"/>
+                                        <p:tgtEl>
+                                          <p:spTgt spid="22">
+                                            <p:txEl>
+                                              <p:pRg st="7" end="7"/>
+                                            </p:txEl>
+                                          </p:spTgt>
+                                        </p:tgtEl>
+                                        <p:attrNameLst>
+                                          <p:attrName>ppt_x</p:attrName>
+                                        </p:attrNameLst>
+                                      </p:cBhvr>
+                                      <p:tavLst>
+                                        <p:tav tm="0">
+                                          <p:val>
+                                            <p:strVal val="0-#ppt_w/2"/>
+                                          </p:val>
+                                        </p:tav>
+                                        <p:tav tm="100000">
+                                          <p:val>
+                                            <p:strVal val="#ppt_x"/>
+                                          </p:val>
+                                        </p:tav>
+                                      </p:tavLst>
+                                    </p:anim>
+                                    <p:anim calcmode="lin" valueType="num">
+                                      <p:cBhvr additive="base">
+                                        <p:cTn id="49" dur="250" fill="hold"/>
+                                        <p:tgtEl>
+                                          <p:spTgt spid="22">
+                                            <p:txEl>
+                                              <p:pRg st="7" end="7"/>
                                             </p:txEl>
                                           </p:spTgt>
                                         </p:tgtEl>
@@ -4102,7 +4248,7 @@
           <a:lstStyle/>
           <a:p>
             <a:r>
-              <a:rPr lang="pt-BR" sz="7200" b="1" dirty="0" smtClean="0">
+              <a:rPr lang="pt-BR" sz="7200" b="1" dirty="0">
                 <a:solidFill>
                   <a:schemeClr val="bg1"/>
                 </a:solidFill>
@@ -4110,12 +4256,6 @@
               </a:rPr>
               <a:t>PROBLEMAS E JUSTIFICATIVAS</a:t>
             </a:r>
-            <a:endParaRPr lang="pt-BR" sz="7200" b="1" dirty="0">
-              <a:solidFill>
-                <a:schemeClr val="bg1"/>
-              </a:solidFill>
-              <a:latin typeface="Tw Cen MT" panose="020B0602020104020603" pitchFamily="34" charset="0"/>
-            </a:endParaRPr>
           </a:p>
         </p:txBody>
       </p:sp>
@@ -4199,12 +4339,6 @@
               </a:rPr>
               <a:t>Pensando nisso, pensamos em um sistema com sensor que fará com que nossos clientes possam fazer acompanhamento da temperatura e do solo por um painel de controle em seu computador (inicialmente). </a:t>
             </a:r>
-            <a:endParaRPr lang="pt-BR" sz="2800" dirty="0">
-              <a:solidFill>
-                <a:schemeClr val="bg1"/>
-              </a:solidFill>
-              <a:latin typeface="Tw Cen MT" panose="020B0602020104020603" pitchFamily="34" charset="0"/>
-            </a:endParaRPr>
           </a:p>
         </p:txBody>
       </p:sp>
@@ -4819,7 +4953,7 @@
           <a:lstStyle/>
           <a:p>
             <a:r>
-              <a:rPr lang="pt-BR" sz="7200" b="1" dirty="0" smtClean="0">
+              <a:rPr lang="pt-BR" sz="7200" b="1" dirty="0">
                 <a:solidFill>
                   <a:schemeClr val="bg1"/>
                 </a:solidFill>
@@ -4827,12 +4961,6 @@
               </a:rPr>
               <a:t>CONTEXTO</a:t>
             </a:r>
-            <a:endParaRPr lang="pt-BR" sz="7200" b="1" dirty="0">
-              <a:solidFill>
-                <a:schemeClr val="bg1"/>
-              </a:solidFill>
-              <a:latin typeface="Tw Cen MT" panose="020B0602020104020603" pitchFamily="34" charset="0"/>
-            </a:endParaRPr>
           </a:p>
         </p:txBody>
       </p:sp>
@@ -4948,15 +5076,6 @@
                 <a:latin typeface="Tw Cen MT" panose="020B0602020104020603" pitchFamily="34" charset="0"/>
               </a:rPr>
               <a:t>da cultivação e da temperatura ambiente, pode aparecer ciclos variando de 65 a 250 dias.</a:t>
-            </a:r>
-            <a:r>
-              <a:rPr lang="pt-BR" sz="2800" b="1" dirty="0">
-                <a:solidFill>
-                  <a:schemeClr val="bg1"/>
-                </a:solidFill>
-                <a:latin typeface="Tw Cen MT" panose="020B0602020104020603" pitchFamily="34" charset="0"/>
-              </a:rPr>
-              <a:t/>
             </a:r>
             <a:br>
               <a:rPr lang="pt-BR" sz="2800" b="1" dirty="0">
@@ -6151,7 +6270,7 @@
           <a:lstStyle/>
           <a:p>
             <a:r>
-              <a:rPr lang="pt-BR" sz="4000" b="1" dirty="0" smtClean="0">
+              <a:rPr lang="pt-BR" sz="4000" b="1" dirty="0">
                 <a:solidFill>
                   <a:schemeClr val="bg1"/>
                 </a:solidFill>
@@ -6162,7 +6281,7 @@
           </a:p>
           <a:p>
             <a:r>
-              <a:rPr lang="pt-BR" sz="4000" b="1" dirty="0" smtClean="0">
+              <a:rPr lang="pt-BR" sz="4000" b="1" dirty="0">
                 <a:solidFill>
                   <a:schemeClr val="bg1"/>
                 </a:solidFill>
@@ -6170,12 +6289,6 @@
               </a:rPr>
               <a:t>ATUALMENTE</a:t>
             </a:r>
-            <a:endParaRPr lang="pt-BR" sz="4000" b="1" dirty="0">
-              <a:solidFill>
-                <a:schemeClr val="bg1"/>
-              </a:solidFill>
-              <a:latin typeface="Tw Cen MT" panose="020B0602020104020603" pitchFamily="34" charset="0"/>
-            </a:endParaRPr>
           </a:p>
         </p:txBody>
       </p:sp>
@@ -6262,7 +6375,7 @@
           <a:lstStyle/>
           <a:p>
             <a:r>
-              <a:rPr lang="pt-BR" sz="13800" b="1" dirty="0" smtClean="0">
+              <a:rPr lang="pt-BR" sz="13800" b="1" dirty="0">
                 <a:solidFill>
                   <a:schemeClr val="bg1"/>
                 </a:solidFill>
@@ -6302,7 +6415,7 @@
           <a:lstStyle/>
           <a:p>
             <a:r>
-              <a:rPr lang="pt-BR" sz="13800" b="1" dirty="0" smtClean="0">
+              <a:rPr lang="pt-BR" sz="13800" b="1" dirty="0">
                 <a:solidFill>
                   <a:schemeClr val="bg1"/>
                 </a:solidFill>
@@ -6310,12 +6423,6 @@
               </a:rPr>
               <a:t>2</a:t>
             </a:r>
-            <a:endParaRPr lang="pt-BR" sz="13800" b="1" dirty="0">
-              <a:solidFill>
-                <a:schemeClr val="bg1"/>
-              </a:solidFill>
-              <a:latin typeface="Tw Cen MT" panose="020B0602020104020603" pitchFamily="34" charset="0"/>
-            </a:endParaRPr>
           </a:p>
         </p:txBody>
       </p:sp>
@@ -6342,7 +6449,7 @@
           <a:lstStyle/>
           <a:p>
             <a:r>
-              <a:rPr lang="pt-BR" sz="13800" b="1" dirty="0" smtClean="0">
+              <a:rPr lang="pt-BR" sz="13800" b="1" dirty="0">
                 <a:solidFill>
                   <a:schemeClr val="bg1"/>
                 </a:solidFill>
@@ -6350,12 +6457,6 @@
               </a:rPr>
               <a:t>3</a:t>
             </a:r>
-            <a:endParaRPr lang="pt-BR" sz="13800" b="1" dirty="0">
-              <a:solidFill>
-                <a:schemeClr val="bg1"/>
-              </a:solidFill>
-              <a:latin typeface="Tw Cen MT" panose="020B0602020104020603" pitchFamily="34" charset="0"/>
-            </a:endParaRPr>
           </a:p>
         </p:txBody>
       </p:sp>
@@ -6369,13 +6470,6 @@
   <p:clrMapOvr>
     <a:masterClrMapping/>
   </p:clrMapOvr>
-  <p:timing>
-    <p:tnLst>
-      <p:par>
-        <p:cTn id="1" dur="indefinite" restart="never" nodeType="tmRoot"/>
-      </p:par>
-    </p:tnLst>
-  </p:timing>
 </p:sld>
 </file>
 
@@ -6832,7 +6926,7 @@
           <a:lstStyle/>
           <a:p>
             <a:r>
-              <a:rPr lang="pt-BR" sz="4000" b="1" dirty="0" smtClean="0">
+              <a:rPr lang="pt-BR" sz="4000" b="1" dirty="0">
                 <a:solidFill>
                   <a:schemeClr val="bg1"/>
                 </a:solidFill>
@@ -6843,7 +6937,7 @@
           </a:p>
           <a:p>
             <a:r>
-              <a:rPr lang="pt-BR" sz="4000" b="1" dirty="0" smtClean="0">
+              <a:rPr lang="pt-BR" sz="4000" b="1" dirty="0">
                 <a:solidFill>
                   <a:schemeClr val="bg1"/>
                 </a:solidFill>
@@ -6852,7 +6946,7 @@
               <a:t>BEAN </a:t>
             </a:r>
             <a:r>
-              <a:rPr lang="pt-BR" sz="4000" b="1" dirty="0" err="1" smtClean="0">
+              <a:rPr lang="pt-BR" sz="4000" b="1" dirty="0" err="1">
                 <a:solidFill>
                   <a:schemeClr val="bg1"/>
                 </a:solidFill>
@@ -6861,7 +6955,7 @@
               <a:t>BEAN</a:t>
             </a:r>
             <a:r>
-              <a:rPr lang="pt-BR" sz="4000" b="1" dirty="0" smtClean="0">
+              <a:rPr lang="pt-BR" sz="4000" b="1" dirty="0">
                 <a:solidFill>
                   <a:schemeClr val="bg1"/>
                 </a:solidFill>
@@ -6869,12 +6963,6 @@
               </a:rPr>
               <a:t> 8</a:t>
             </a:r>
-            <a:endParaRPr lang="pt-BR" sz="4000" b="1" dirty="0">
-              <a:solidFill>
-                <a:schemeClr val="bg1"/>
-              </a:solidFill>
-              <a:latin typeface="Tw Cen MT" panose="020B0602020104020603" pitchFamily="34" charset="0"/>
-            </a:endParaRPr>
           </a:p>
         </p:txBody>
       </p:sp>
@@ -6931,7 +7019,7 @@
           <a:lstStyle/>
           <a:p>
             <a:r>
-              <a:rPr lang="pt-BR" sz="13800" b="1" dirty="0" smtClean="0">
+              <a:rPr lang="pt-BR" sz="13800" b="1" dirty="0">
                 <a:solidFill>
                   <a:schemeClr val="bg1"/>
                 </a:solidFill>
@@ -6971,7 +7059,7 @@
           <a:lstStyle/>
           <a:p>
             <a:r>
-              <a:rPr lang="pt-BR" sz="13800" b="1" dirty="0" smtClean="0">
+              <a:rPr lang="pt-BR" sz="13800" b="1" dirty="0">
                 <a:solidFill>
                   <a:schemeClr val="bg1"/>
                 </a:solidFill>
@@ -6979,12 +7067,6 @@
               </a:rPr>
               <a:t>2</a:t>
             </a:r>
-            <a:endParaRPr lang="pt-BR" sz="13800" b="1" dirty="0">
-              <a:solidFill>
-                <a:schemeClr val="bg1"/>
-              </a:solidFill>
-              <a:latin typeface="Tw Cen MT" panose="020B0602020104020603" pitchFamily="34" charset="0"/>
-            </a:endParaRPr>
           </a:p>
         </p:txBody>
       </p:sp>
@@ -7011,7 +7093,7 @@
           <a:lstStyle/>
           <a:p>
             <a:r>
-              <a:rPr lang="pt-BR" sz="13800" b="1" dirty="0" smtClean="0">
+              <a:rPr lang="pt-BR" sz="13800" b="1" dirty="0">
                 <a:solidFill>
                   <a:schemeClr val="bg1"/>
                 </a:solidFill>
@@ -7019,12 +7101,6 @@
               </a:rPr>
               <a:t>3</a:t>
             </a:r>
-            <a:endParaRPr lang="pt-BR" sz="13800" b="1" dirty="0">
-              <a:solidFill>
-                <a:schemeClr val="bg1"/>
-              </a:solidFill>
-              <a:latin typeface="Tw Cen MT" panose="020B0602020104020603" pitchFamily="34" charset="0"/>
-            </a:endParaRPr>
           </a:p>
         </p:txBody>
       </p:sp>
@@ -7117,7 +7193,7 @@
           <a:lstStyle/>
           <a:p>
             <a:r>
-              <a:rPr lang="pt-BR" sz="2000" dirty="0" smtClean="0">
+              <a:rPr lang="pt-BR" sz="2000" dirty="0">
                 <a:latin typeface="Tw Cen MT" panose="020B0602020104020603" pitchFamily="34" charset="0"/>
               </a:rPr>
               <a:t>BB8</a:t>
@@ -7125,14 +7201,11 @@
           </a:p>
           <a:p>
             <a:r>
-              <a:rPr lang="pt-BR" sz="2000" dirty="0" smtClean="0">
+              <a:rPr lang="pt-BR" sz="2000" dirty="0">
                 <a:latin typeface="Tw Cen MT" panose="020B0602020104020603" pitchFamily="34" charset="0"/>
               </a:rPr>
               <a:t>SISTEMA DE IRRIGAÇÃO</a:t>
             </a:r>
-            <a:endParaRPr lang="pt-BR" sz="2000" dirty="0">
-              <a:latin typeface="Tw Cen MT" panose="020B0602020104020603" pitchFamily="34" charset="0"/>
-            </a:endParaRPr>
           </a:p>
         </p:txBody>
       </p:sp>
@@ -7146,13 +7219,6 @@
   <p:clrMapOvr>
     <a:masterClrMapping/>
   </p:clrMapOvr>
-  <p:timing>
-    <p:tnLst>
-      <p:par>
-        <p:cTn id="1" dur="indefinite" restart="never" nodeType="tmRoot"/>
-      </p:par>
-    </p:tnLst>
-  </p:timing>
 </p:sld>
 </file>
 
